--- a/04_DB Logical Design__Denormalization/04-02_en_Temporal_Validity_of_DB_Schema.pptx
+++ b/04_DB Logical Design__Denormalization/04-02_en_Temporal_Validity_of_DB_Schema.pptx
@@ -6829,7 +6829,7 @@
                 <a:latin typeface="Avenir Medium"/>
                 <a:cs typeface="Avenir Medium"/>
               </a:rPr>
-              <a:t>readme.txt</a:t>
+              <a:t>readme.md</a:t>
             </a:r>
             <a:r>
               <a:rPr lang="ro-RO" sz="3000" dirty="0">
@@ -7958,7 +7958,7 @@
                 <a:ea typeface="Arial Unicode MS" panose="020B0604020202020204" pitchFamily="34" charset="-128"/>
                 <a:cs typeface="American Typewriter"/>
               </a:rPr>
-              <a:t>Univ_info_sys_2 </a:t>
+              <a:t>univ_info_sys_2 </a:t>
             </a:r>
             <a:r>
               <a:rPr lang="en-US" sz="3600" dirty="0">
